--- a/ppt 16-9/1550.我是谁.pptx
+++ b/ppt 16-9/1550.我是谁.pptx
@@ -129,7 +129,7 @@
           <p:cNvPr id="2" name="标题 1">
             <a:extLst>
               <a:ext uri="{FF2B5EF4-FFF2-40B4-BE49-F238E27FC236}">
-                <a16:creationId xmlns:a16="http://schemas.microsoft.com/office/drawing/2014/main" id="{582CB7D6-3B67-93D1-AA7F-090EFE7ABEDE}"/>
+                <a16:creationId xmlns:a16="http://schemas.microsoft.com/office/drawing/2014/main" id="{82AD797D-76B1-89C2-4E27-0F6BD196A6FD}"/>
               </a:ext>
             </a:extLst>
           </p:cNvPr>
@@ -166,7 +166,7 @@
           <p:cNvPr id="3" name="副标题 2">
             <a:extLst>
               <a:ext uri="{FF2B5EF4-FFF2-40B4-BE49-F238E27FC236}">
-                <a16:creationId xmlns:a16="http://schemas.microsoft.com/office/drawing/2014/main" id="{649A16E0-27E3-481B-D146-9ADDC2F7CA77}"/>
+                <a16:creationId xmlns:a16="http://schemas.microsoft.com/office/drawing/2014/main" id="{88B0A618-FFE0-50C2-F8AF-80BE703C472D}"/>
               </a:ext>
             </a:extLst>
           </p:cNvPr>
@@ -236,7 +236,7 @@
           <p:cNvPr id="4" name="日期占位符 3">
             <a:extLst>
               <a:ext uri="{FF2B5EF4-FFF2-40B4-BE49-F238E27FC236}">
-                <a16:creationId xmlns:a16="http://schemas.microsoft.com/office/drawing/2014/main" id="{C704D54A-FB58-5840-4670-CB703C2A04D6}"/>
+                <a16:creationId xmlns:a16="http://schemas.microsoft.com/office/drawing/2014/main" id="{F7DD9D42-B04B-F06E-226B-9B009525B9A4}"/>
               </a:ext>
             </a:extLst>
           </p:cNvPr>
@@ -252,7 +252,7 @@
           <a:bodyPr/>
           <a:lstStyle/>
           <a:p>
-            <a:fld id="{E8B70C69-EFAF-46C1-B072-47951ACABE34}" type="datetimeFigureOut">
+            <a:fld id="{C843FD81-6944-4E13-8EBE-D72FD1D16EF4}" type="datetimeFigureOut">
               <a:rPr lang="zh-CN" altLang="en-US" smtClean="0"/>
               <a:t>2024/3/10</a:t>
             </a:fld>
@@ -265,7 +265,7 @@
           <p:cNvPr id="5" name="页脚占位符 4">
             <a:extLst>
               <a:ext uri="{FF2B5EF4-FFF2-40B4-BE49-F238E27FC236}">
-                <a16:creationId xmlns:a16="http://schemas.microsoft.com/office/drawing/2014/main" id="{D8967EAB-A782-0391-075C-F2E8A31D2D8D}"/>
+                <a16:creationId xmlns:a16="http://schemas.microsoft.com/office/drawing/2014/main" id="{54110C3F-F979-EA4C-6392-87C82E94133D}"/>
               </a:ext>
             </a:extLst>
           </p:cNvPr>
@@ -290,7 +290,7 @@
           <p:cNvPr id="6" name="灯片编号占位符 5">
             <a:extLst>
               <a:ext uri="{FF2B5EF4-FFF2-40B4-BE49-F238E27FC236}">
-                <a16:creationId xmlns:a16="http://schemas.microsoft.com/office/drawing/2014/main" id="{25D7D39E-27FB-68A9-362A-B492F8BA6074}"/>
+                <a16:creationId xmlns:a16="http://schemas.microsoft.com/office/drawing/2014/main" id="{E0DEF85F-9CE9-5E36-6B96-7B7A04B75A47}"/>
               </a:ext>
             </a:extLst>
           </p:cNvPr>
@@ -306,7 +306,7 @@
           <a:bodyPr/>
           <a:lstStyle/>
           <a:p>
-            <a:fld id="{47133C7F-5519-488E-A7A3-2640DF0EC85E}" type="slidenum">
+            <a:fld id="{14FC0471-6655-4220-A66B-4A494ABC80F0}" type="slidenum">
               <a:rPr lang="zh-CN" altLang="en-US" smtClean="0"/>
               <a:t>‹#›</a:t>
             </a:fld>
@@ -317,7 +317,7 @@
     </p:spTree>
     <p:extLst>
       <p:ext uri="{BB962C8B-B14F-4D97-AF65-F5344CB8AC3E}">
-        <p14:creationId xmlns:p14="http://schemas.microsoft.com/office/powerpoint/2010/main" val="2125285314"/>
+        <p14:creationId xmlns:p14="http://schemas.microsoft.com/office/powerpoint/2010/main" val="534026776"/>
       </p:ext>
     </p:extLst>
   </p:cSld>
@@ -349,7 +349,7 @@
           <p:cNvPr id="2" name="标题 1">
             <a:extLst>
               <a:ext uri="{FF2B5EF4-FFF2-40B4-BE49-F238E27FC236}">
-                <a16:creationId xmlns:a16="http://schemas.microsoft.com/office/drawing/2014/main" id="{24D4624A-43E0-7937-F805-71D49635362D}"/>
+                <a16:creationId xmlns:a16="http://schemas.microsoft.com/office/drawing/2014/main" id="{4F66AEC6-B3F9-CE56-37D8-17EE10C42738}"/>
               </a:ext>
             </a:extLst>
           </p:cNvPr>
@@ -377,7 +377,7 @@
           <p:cNvPr id="3" name="竖排文字占位符 2">
             <a:extLst>
               <a:ext uri="{FF2B5EF4-FFF2-40B4-BE49-F238E27FC236}">
-                <a16:creationId xmlns:a16="http://schemas.microsoft.com/office/drawing/2014/main" id="{D61FC124-AD60-004C-35D5-3D4B32D9EE3D}"/>
+                <a16:creationId xmlns:a16="http://schemas.microsoft.com/office/drawing/2014/main" id="{12E472DE-6528-BCBA-C2BE-0E51E518B2C8}"/>
               </a:ext>
             </a:extLst>
           </p:cNvPr>
@@ -434,7 +434,7 @@
           <p:cNvPr id="4" name="日期占位符 3">
             <a:extLst>
               <a:ext uri="{FF2B5EF4-FFF2-40B4-BE49-F238E27FC236}">
-                <a16:creationId xmlns:a16="http://schemas.microsoft.com/office/drawing/2014/main" id="{5D4927F1-7B8A-E3CF-307A-129E849235C3}"/>
+                <a16:creationId xmlns:a16="http://schemas.microsoft.com/office/drawing/2014/main" id="{B5B15218-3DDD-2287-3879-788D1097A942}"/>
               </a:ext>
             </a:extLst>
           </p:cNvPr>
@@ -450,7 +450,7 @@
           <a:bodyPr/>
           <a:lstStyle/>
           <a:p>
-            <a:fld id="{E8B70C69-EFAF-46C1-B072-47951ACABE34}" type="datetimeFigureOut">
+            <a:fld id="{C843FD81-6944-4E13-8EBE-D72FD1D16EF4}" type="datetimeFigureOut">
               <a:rPr lang="zh-CN" altLang="en-US" smtClean="0"/>
               <a:t>2024/3/10</a:t>
             </a:fld>
@@ -463,7 +463,7 @@
           <p:cNvPr id="5" name="页脚占位符 4">
             <a:extLst>
               <a:ext uri="{FF2B5EF4-FFF2-40B4-BE49-F238E27FC236}">
-                <a16:creationId xmlns:a16="http://schemas.microsoft.com/office/drawing/2014/main" id="{994B1025-3BCB-82D0-D713-D2509555A07D}"/>
+                <a16:creationId xmlns:a16="http://schemas.microsoft.com/office/drawing/2014/main" id="{FFA7661D-547C-B393-EDF7-91AA22A5EE6D}"/>
               </a:ext>
             </a:extLst>
           </p:cNvPr>
@@ -488,7 +488,7 @@
           <p:cNvPr id="6" name="灯片编号占位符 5">
             <a:extLst>
               <a:ext uri="{FF2B5EF4-FFF2-40B4-BE49-F238E27FC236}">
-                <a16:creationId xmlns:a16="http://schemas.microsoft.com/office/drawing/2014/main" id="{5BE0F216-041B-8A17-0AF2-DFD11870744E}"/>
+                <a16:creationId xmlns:a16="http://schemas.microsoft.com/office/drawing/2014/main" id="{021EB29A-7E9F-00F8-DE24-D2C968F5DFB4}"/>
               </a:ext>
             </a:extLst>
           </p:cNvPr>
@@ -504,7 +504,7 @@
           <a:bodyPr/>
           <a:lstStyle/>
           <a:p>
-            <a:fld id="{47133C7F-5519-488E-A7A3-2640DF0EC85E}" type="slidenum">
+            <a:fld id="{14FC0471-6655-4220-A66B-4A494ABC80F0}" type="slidenum">
               <a:rPr lang="zh-CN" altLang="en-US" smtClean="0"/>
               <a:t>‹#›</a:t>
             </a:fld>
@@ -515,7 +515,7 @@
     </p:spTree>
     <p:extLst>
       <p:ext uri="{BB962C8B-B14F-4D97-AF65-F5344CB8AC3E}">
-        <p14:creationId xmlns:p14="http://schemas.microsoft.com/office/powerpoint/2010/main" val="1293157050"/>
+        <p14:creationId xmlns:p14="http://schemas.microsoft.com/office/powerpoint/2010/main" val="3540242411"/>
       </p:ext>
     </p:extLst>
   </p:cSld>
@@ -547,7 +547,7 @@
           <p:cNvPr id="2" name="竖排标题 1">
             <a:extLst>
               <a:ext uri="{FF2B5EF4-FFF2-40B4-BE49-F238E27FC236}">
-                <a16:creationId xmlns:a16="http://schemas.microsoft.com/office/drawing/2014/main" id="{CED50668-A004-61E2-3D7F-B16884DA6A1D}"/>
+                <a16:creationId xmlns:a16="http://schemas.microsoft.com/office/drawing/2014/main" id="{0ABB4E8C-C9BF-B145-00FC-4FBCA62DF229}"/>
               </a:ext>
             </a:extLst>
           </p:cNvPr>
@@ -580,7 +580,7 @@
           <p:cNvPr id="3" name="竖排文字占位符 2">
             <a:extLst>
               <a:ext uri="{FF2B5EF4-FFF2-40B4-BE49-F238E27FC236}">
-                <a16:creationId xmlns:a16="http://schemas.microsoft.com/office/drawing/2014/main" id="{51594345-7224-CF3B-786E-3EEFE66F1676}"/>
+                <a16:creationId xmlns:a16="http://schemas.microsoft.com/office/drawing/2014/main" id="{0951B1B2-A070-3B66-B6D0-6E71D2EE1EE1}"/>
               </a:ext>
             </a:extLst>
           </p:cNvPr>
@@ -642,7 +642,7 @@
           <p:cNvPr id="4" name="日期占位符 3">
             <a:extLst>
               <a:ext uri="{FF2B5EF4-FFF2-40B4-BE49-F238E27FC236}">
-                <a16:creationId xmlns:a16="http://schemas.microsoft.com/office/drawing/2014/main" id="{A5B287A8-2D2F-1471-8360-53E59075BA4A}"/>
+                <a16:creationId xmlns:a16="http://schemas.microsoft.com/office/drawing/2014/main" id="{50EB80D0-DD6D-7AA9-8F41-F4F1D01888B8}"/>
               </a:ext>
             </a:extLst>
           </p:cNvPr>
@@ -658,7 +658,7 @@
           <a:bodyPr/>
           <a:lstStyle/>
           <a:p>
-            <a:fld id="{E8B70C69-EFAF-46C1-B072-47951ACABE34}" type="datetimeFigureOut">
+            <a:fld id="{C843FD81-6944-4E13-8EBE-D72FD1D16EF4}" type="datetimeFigureOut">
               <a:rPr lang="zh-CN" altLang="en-US" smtClean="0"/>
               <a:t>2024/3/10</a:t>
             </a:fld>
@@ -671,7 +671,7 @@
           <p:cNvPr id="5" name="页脚占位符 4">
             <a:extLst>
               <a:ext uri="{FF2B5EF4-FFF2-40B4-BE49-F238E27FC236}">
-                <a16:creationId xmlns:a16="http://schemas.microsoft.com/office/drawing/2014/main" id="{E7FF7879-E3E7-9B9F-7422-039DAEA782F2}"/>
+                <a16:creationId xmlns:a16="http://schemas.microsoft.com/office/drawing/2014/main" id="{D25D8D4E-7DE9-A517-F8B5-5677AEF281CF}"/>
               </a:ext>
             </a:extLst>
           </p:cNvPr>
@@ -696,7 +696,7 @@
           <p:cNvPr id="6" name="灯片编号占位符 5">
             <a:extLst>
               <a:ext uri="{FF2B5EF4-FFF2-40B4-BE49-F238E27FC236}">
-                <a16:creationId xmlns:a16="http://schemas.microsoft.com/office/drawing/2014/main" id="{127E2667-0FFC-61EB-C219-B80E815AA8A0}"/>
+                <a16:creationId xmlns:a16="http://schemas.microsoft.com/office/drawing/2014/main" id="{FCBF71EA-107D-D616-A78B-F411EDCBC2FE}"/>
               </a:ext>
             </a:extLst>
           </p:cNvPr>
@@ -712,7 +712,7 @@
           <a:bodyPr/>
           <a:lstStyle/>
           <a:p>
-            <a:fld id="{47133C7F-5519-488E-A7A3-2640DF0EC85E}" type="slidenum">
+            <a:fld id="{14FC0471-6655-4220-A66B-4A494ABC80F0}" type="slidenum">
               <a:rPr lang="zh-CN" altLang="en-US" smtClean="0"/>
               <a:t>‹#›</a:t>
             </a:fld>
@@ -723,7 +723,7 @@
     </p:spTree>
     <p:extLst>
       <p:ext uri="{BB962C8B-B14F-4D97-AF65-F5344CB8AC3E}">
-        <p14:creationId xmlns:p14="http://schemas.microsoft.com/office/powerpoint/2010/main" val="2568768806"/>
+        <p14:creationId xmlns:p14="http://schemas.microsoft.com/office/powerpoint/2010/main" val="3471398535"/>
       </p:ext>
     </p:extLst>
   </p:cSld>
@@ -755,7 +755,7 @@
           <p:cNvPr id="2" name="标题 1">
             <a:extLst>
               <a:ext uri="{FF2B5EF4-FFF2-40B4-BE49-F238E27FC236}">
-                <a16:creationId xmlns:a16="http://schemas.microsoft.com/office/drawing/2014/main" id="{BCC21AFD-9EC9-98D1-FA38-94DD083BBA9D}"/>
+                <a16:creationId xmlns:a16="http://schemas.microsoft.com/office/drawing/2014/main" id="{4B846D9A-AC37-4EE6-E7CE-54EF2C260C90}"/>
               </a:ext>
             </a:extLst>
           </p:cNvPr>
@@ -783,7 +783,7 @@
           <p:cNvPr id="3" name="内容占位符 2">
             <a:extLst>
               <a:ext uri="{FF2B5EF4-FFF2-40B4-BE49-F238E27FC236}">
-                <a16:creationId xmlns:a16="http://schemas.microsoft.com/office/drawing/2014/main" id="{8A3D1491-9D48-629C-86EB-16E42F2A2364}"/>
+                <a16:creationId xmlns:a16="http://schemas.microsoft.com/office/drawing/2014/main" id="{F8F8F656-F98B-3F54-F87E-27CE55126721}"/>
               </a:ext>
             </a:extLst>
           </p:cNvPr>
@@ -840,7 +840,7 @@
           <p:cNvPr id="4" name="日期占位符 3">
             <a:extLst>
               <a:ext uri="{FF2B5EF4-FFF2-40B4-BE49-F238E27FC236}">
-                <a16:creationId xmlns:a16="http://schemas.microsoft.com/office/drawing/2014/main" id="{F4E5F804-A6B8-1285-4562-C9450A32CFFF}"/>
+                <a16:creationId xmlns:a16="http://schemas.microsoft.com/office/drawing/2014/main" id="{5A6D958F-4E22-175E-55A5-3D7509247B36}"/>
               </a:ext>
             </a:extLst>
           </p:cNvPr>
@@ -856,7 +856,7 @@
           <a:bodyPr/>
           <a:lstStyle/>
           <a:p>
-            <a:fld id="{E8B70C69-EFAF-46C1-B072-47951ACABE34}" type="datetimeFigureOut">
+            <a:fld id="{C843FD81-6944-4E13-8EBE-D72FD1D16EF4}" type="datetimeFigureOut">
               <a:rPr lang="zh-CN" altLang="en-US" smtClean="0"/>
               <a:t>2024/3/10</a:t>
             </a:fld>
@@ -869,7 +869,7 @@
           <p:cNvPr id="5" name="页脚占位符 4">
             <a:extLst>
               <a:ext uri="{FF2B5EF4-FFF2-40B4-BE49-F238E27FC236}">
-                <a16:creationId xmlns:a16="http://schemas.microsoft.com/office/drawing/2014/main" id="{400BD52A-965B-9046-BC2C-C68BEDC34B80}"/>
+                <a16:creationId xmlns:a16="http://schemas.microsoft.com/office/drawing/2014/main" id="{B425F50C-204D-249E-3F0C-A9FB1E04CF2B}"/>
               </a:ext>
             </a:extLst>
           </p:cNvPr>
@@ -894,7 +894,7 @@
           <p:cNvPr id="6" name="灯片编号占位符 5">
             <a:extLst>
               <a:ext uri="{FF2B5EF4-FFF2-40B4-BE49-F238E27FC236}">
-                <a16:creationId xmlns:a16="http://schemas.microsoft.com/office/drawing/2014/main" id="{F54FC7FC-071A-DABE-CE01-97F0E3D20CC8}"/>
+                <a16:creationId xmlns:a16="http://schemas.microsoft.com/office/drawing/2014/main" id="{74C69F13-A26E-97BE-9676-0E6F6B847B2E}"/>
               </a:ext>
             </a:extLst>
           </p:cNvPr>
@@ -910,7 +910,7 @@
           <a:bodyPr/>
           <a:lstStyle/>
           <a:p>
-            <a:fld id="{47133C7F-5519-488E-A7A3-2640DF0EC85E}" type="slidenum">
+            <a:fld id="{14FC0471-6655-4220-A66B-4A494ABC80F0}" type="slidenum">
               <a:rPr lang="zh-CN" altLang="en-US" smtClean="0"/>
               <a:t>‹#›</a:t>
             </a:fld>
@@ -921,7 +921,7 @@
     </p:spTree>
     <p:extLst>
       <p:ext uri="{BB962C8B-B14F-4D97-AF65-F5344CB8AC3E}">
-        <p14:creationId xmlns:p14="http://schemas.microsoft.com/office/powerpoint/2010/main" val="1991311859"/>
+        <p14:creationId xmlns:p14="http://schemas.microsoft.com/office/powerpoint/2010/main" val="2002127510"/>
       </p:ext>
     </p:extLst>
   </p:cSld>
@@ -953,7 +953,7 @@
           <p:cNvPr id="2" name="标题 1">
             <a:extLst>
               <a:ext uri="{FF2B5EF4-FFF2-40B4-BE49-F238E27FC236}">
-                <a16:creationId xmlns:a16="http://schemas.microsoft.com/office/drawing/2014/main" id="{B8A8EF8C-C96B-28FC-C824-E71948798466}"/>
+                <a16:creationId xmlns:a16="http://schemas.microsoft.com/office/drawing/2014/main" id="{419F57FD-4A86-376B-2533-4ED4B16B4BF1}"/>
               </a:ext>
             </a:extLst>
           </p:cNvPr>
@@ -990,7 +990,7 @@
           <p:cNvPr id="3" name="文本占位符 2">
             <a:extLst>
               <a:ext uri="{FF2B5EF4-FFF2-40B4-BE49-F238E27FC236}">
-                <a16:creationId xmlns:a16="http://schemas.microsoft.com/office/drawing/2014/main" id="{02B468A8-B24F-6D7F-2976-0580B54827AD}"/>
+                <a16:creationId xmlns:a16="http://schemas.microsoft.com/office/drawing/2014/main" id="{F4E26C99-C283-FFF8-17DC-817DEAD95281}"/>
               </a:ext>
             </a:extLst>
           </p:cNvPr>
@@ -1115,7 +1115,7 @@
           <p:cNvPr id="4" name="日期占位符 3">
             <a:extLst>
               <a:ext uri="{FF2B5EF4-FFF2-40B4-BE49-F238E27FC236}">
-                <a16:creationId xmlns:a16="http://schemas.microsoft.com/office/drawing/2014/main" id="{D882574E-6C25-D74D-8E91-FF9E83D45F7F}"/>
+                <a16:creationId xmlns:a16="http://schemas.microsoft.com/office/drawing/2014/main" id="{4906E4D5-A608-A438-5AFE-520B7A2F868E}"/>
               </a:ext>
             </a:extLst>
           </p:cNvPr>
@@ -1131,7 +1131,7 @@
           <a:bodyPr/>
           <a:lstStyle/>
           <a:p>
-            <a:fld id="{E8B70C69-EFAF-46C1-B072-47951ACABE34}" type="datetimeFigureOut">
+            <a:fld id="{C843FD81-6944-4E13-8EBE-D72FD1D16EF4}" type="datetimeFigureOut">
               <a:rPr lang="zh-CN" altLang="en-US" smtClean="0"/>
               <a:t>2024/3/10</a:t>
             </a:fld>
@@ -1144,7 +1144,7 @@
           <p:cNvPr id="5" name="页脚占位符 4">
             <a:extLst>
               <a:ext uri="{FF2B5EF4-FFF2-40B4-BE49-F238E27FC236}">
-                <a16:creationId xmlns:a16="http://schemas.microsoft.com/office/drawing/2014/main" id="{6A295C41-01CB-0FB3-8731-481EB41745D2}"/>
+                <a16:creationId xmlns:a16="http://schemas.microsoft.com/office/drawing/2014/main" id="{6B27D0F4-AB0D-4B5F-37D4-889B33004A5F}"/>
               </a:ext>
             </a:extLst>
           </p:cNvPr>
@@ -1169,7 +1169,7 @@
           <p:cNvPr id="6" name="灯片编号占位符 5">
             <a:extLst>
               <a:ext uri="{FF2B5EF4-FFF2-40B4-BE49-F238E27FC236}">
-                <a16:creationId xmlns:a16="http://schemas.microsoft.com/office/drawing/2014/main" id="{4FEACB1C-C170-6F06-0042-30FBD1994E22}"/>
+                <a16:creationId xmlns:a16="http://schemas.microsoft.com/office/drawing/2014/main" id="{5EE4900D-258D-62C1-4640-DDA0504A18A0}"/>
               </a:ext>
             </a:extLst>
           </p:cNvPr>
@@ -1185,7 +1185,7 @@
           <a:bodyPr/>
           <a:lstStyle/>
           <a:p>
-            <a:fld id="{47133C7F-5519-488E-A7A3-2640DF0EC85E}" type="slidenum">
+            <a:fld id="{14FC0471-6655-4220-A66B-4A494ABC80F0}" type="slidenum">
               <a:rPr lang="zh-CN" altLang="en-US" smtClean="0"/>
               <a:t>‹#›</a:t>
             </a:fld>
@@ -1196,7 +1196,7 @@
     </p:spTree>
     <p:extLst>
       <p:ext uri="{BB962C8B-B14F-4D97-AF65-F5344CB8AC3E}">
-        <p14:creationId xmlns:p14="http://schemas.microsoft.com/office/powerpoint/2010/main" val="2010939503"/>
+        <p14:creationId xmlns:p14="http://schemas.microsoft.com/office/powerpoint/2010/main" val="1660229025"/>
       </p:ext>
     </p:extLst>
   </p:cSld>
@@ -1228,7 +1228,7 @@
           <p:cNvPr id="2" name="标题 1">
             <a:extLst>
               <a:ext uri="{FF2B5EF4-FFF2-40B4-BE49-F238E27FC236}">
-                <a16:creationId xmlns:a16="http://schemas.microsoft.com/office/drawing/2014/main" id="{DE8C9D3D-37B9-E198-819B-6514098A8C06}"/>
+                <a16:creationId xmlns:a16="http://schemas.microsoft.com/office/drawing/2014/main" id="{9EEB46FE-5189-FBD2-8F16-38FC4B4F51E2}"/>
               </a:ext>
             </a:extLst>
           </p:cNvPr>
@@ -1256,7 +1256,7 @@
           <p:cNvPr id="3" name="内容占位符 2">
             <a:extLst>
               <a:ext uri="{FF2B5EF4-FFF2-40B4-BE49-F238E27FC236}">
-                <a16:creationId xmlns:a16="http://schemas.microsoft.com/office/drawing/2014/main" id="{C799B142-4BF5-CBD6-7FDE-C564898CC4F6}"/>
+                <a16:creationId xmlns:a16="http://schemas.microsoft.com/office/drawing/2014/main" id="{0B201BFF-D137-0322-C163-7096BF0F4773}"/>
               </a:ext>
             </a:extLst>
           </p:cNvPr>
@@ -1318,7 +1318,7 @@
           <p:cNvPr id="4" name="内容占位符 3">
             <a:extLst>
               <a:ext uri="{FF2B5EF4-FFF2-40B4-BE49-F238E27FC236}">
-                <a16:creationId xmlns:a16="http://schemas.microsoft.com/office/drawing/2014/main" id="{7D2FD69E-F297-5278-CFA6-745D76DBF0EA}"/>
+                <a16:creationId xmlns:a16="http://schemas.microsoft.com/office/drawing/2014/main" id="{0F4C031D-269B-CBF0-DD29-4153CF479962}"/>
               </a:ext>
             </a:extLst>
           </p:cNvPr>
@@ -1380,7 +1380,7 @@
           <p:cNvPr id="5" name="日期占位符 4">
             <a:extLst>
               <a:ext uri="{FF2B5EF4-FFF2-40B4-BE49-F238E27FC236}">
-                <a16:creationId xmlns:a16="http://schemas.microsoft.com/office/drawing/2014/main" id="{E65CDF49-AEDE-492D-736D-04477AFAC6CE}"/>
+                <a16:creationId xmlns:a16="http://schemas.microsoft.com/office/drawing/2014/main" id="{6C5DE611-BDB4-BD66-77D1-CEEF3E62C56B}"/>
               </a:ext>
             </a:extLst>
           </p:cNvPr>
@@ -1396,7 +1396,7 @@
           <a:bodyPr/>
           <a:lstStyle/>
           <a:p>
-            <a:fld id="{E8B70C69-EFAF-46C1-B072-47951ACABE34}" type="datetimeFigureOut">
+            <a:fld id="{C843FD81-6944-4E13-8EBE-D72FD1D16EF4}" type="datetimeFigureOut">
               <a:rPr lang="zh-CN" altLang="en-US" smtClean="0"/>
               <a:t>2024/3/10</a:t>
             </a:fld>
@@ -1409,7 +1409,7 @@
           <p:cNvPr id="6" name="页脚占位符 5">
             <a:extLst>
               <a:ext uri="{FF2B5EF4-FFF2-40B4-BE49-F238E27FC236}">
-                <a16:creationId xmlns:a16="http://schemas.microsoft.com/office/drawing/2014/main" id="{689C1BA6-F54A-0A86-0D5B-2079C25D6A1B}"/>
+                <a16:creationId xmlns:a16="http://schemas.microsoft.com/office/drawing/2014/main" id="{F5F29644-434D-2547-38C3-F5AC4AD5FB24}"/>
               </a:ext>
             </a:extLst>
           </p:cNvPr>
@@ -1434,7 +1434,7 @@
           <p:cNvPr id="7" name="灯片编号占位符 6">
             <a:extLst>
               <a:ext uri="{FF2B5EF4-FFF2-40B4-BE49-F238E27FC236}">
-                <a16:creationId xmlns:a16="http://schemas.microsoft.com/office/drawing/2014/main" id="{719409EB-BA93-F2EE-2A67-AFD597C6CFB7}"/>
+                <a16:creationId xmlns:a16="http://schemas.microsoft.com/office/drawing/2014/main" id="{EDA319CD-87C3-8BF6-65EF-8E84D4EF4856}"/>
               </a:ext>
             </a:extLst>
           </p:cNvPr>
@@ -1450,7 +1450,7 @@
           <a:bodyPr/>
           <a:lstStyle/>
           <a:p>
-            <a:fld id="{47133C7F-5519-488E-A7A3-2640DF0EC85E}" type="slidenum">
+            <a:fld id="{14FC0471-6655-4220-A66B-4A494ABC80F0}" type="slidenum">
               <a:rPr lang="zh-CN" altLang="en-US" smtClean="0"/>
               <a:t>‹#›</a:t>
             </a:fld>
@@ -1461,7 +1461,7 @@
     </p:spTree>
     <p:extLst>
       <p:ext uri="{BB962C8B-B14F-4D97-AF65-F5344CB8AC3E}">
-        <p14:creationId xmlns:p14="http://schemas.microsoft.com/office/powerpoint/2010/main" val="1591476381"/>
+        <p14:creationId xmlns:p14="http://schemas.microsoft.com/office/powerpoint/2010/main" val="3541306238"/>
       </p:ext>
     </p:extLst>
   </p:cSld>
@@ -1493,7 +1493,7 @@
           <p:cNvPr id="2" name="标题 1">
             <a:extLst>
               <a:ext uri="{FF2B5EF4-FFF2-40B4-BE49-F238E27FC236}">
-                <a16:creationId xmlns:a16="http://schemas.microsoft.com/office/drawing/2014/main" id="{A820557A-4425-4B2C-5BC6-7350D954C9B7}"/>
+                <a16:creationId xmlns:a16="http://schemas.microsoft.com/office/drawing/2014/main" id="{587A94E7-7AAF-2E2D-2A90-3F76431A8743}"/>
               </a:ext>
             </a:extLst>
           </p:cNvPr>
@@ -1526,7 +1526,7 @@
           <p:cNvPr id="3" name="文本占位符 2">
             <a:extLst>
               <a:ext uri="{FF2B5EF4-FFF2-40B4-BE49-F238E27FC236}">
-                <a16:creationId xmlns:a16="http://schemas.microsoft.com/office/drawing/2014/main" id="{82FE2F1F-6DEC-B901-548D-698424D7AC0B}"/>
+                <a16:creationId xmlns:a16="http://schemas.microsoft.com/office/drawing/2014/main" id="{1FBC80BB-5456-947E-58EC-B4258844FF5C}"/>
               </a:ext>
             </a:extLst>
           </p:cNvPr>
@@ -1597,7 +1597,7 @@
           <p:cNvPr id="4" name="内容占位符 3">
             <a:extLst>
               <a:ext uri="{FF2B5EF4-FFF2-40B4-BE49-F238E27FC236}">
-                <a16:creationId xmlns:a16="http://schemas.microsoft.com/office/drawing/2014/main" id="{E2757548-F30C-4339-52F2-75AEAB26A3AE}"/>
+                <a16:creationId xmlns:a16="http://schemas.microsoft.com/office/drawing/2014/main" id="{8DDB0B40-A448-FCE6-D31E-AA80B5AAE32F}"/>
               </a:ext>
             </a:extLst>
           </p:cNvPr>
@@ -1659,7 +1659,7 @@
           <p:cNvPr id="5" name="文本占位符 4">
             <a:extLst>
               <a:ext uri="{FF2B5EF4-FFF2-40B4-BE49-F238E27FC236}">
-                <a16:creationId xmlns:a16="http://schemas.microsoft.com/office/drawing/2014/main" id="{CF71EA04-536E-9753-0D37-DC12B2E8E075}"/>
+                <a16:creationId xmlns:a16="http://schemas.microsoft.com/office/drawing/2014/main" id="{2B5A71E0-5A7D-0CA7-499A-8B926C4E60F3}"/>
               </a:ext>
             </a:extLst>
           </p:cNvPr>
@@ -1730,7 +1730,7 @@
           <p:cNvPr id="6" name="内容占位符 5">
             <a:extLst>
               <a:ext uri="{FF2B5EF4-FFF2-40B4-BE49-F238E27FC236}">
-                <a16:creationId xmlns:a16="http://schemas.microsoft.com/office/drawing/2014/main" id="{526D872B-628C-706E-A7E3-F9A959590FE1}"/>
+                <a16:creationId xmlns:a16="http://schemas.microsoft.com/office/drawing/2014/main" id="{E873198F-DFA9-731A-C4A6-4FDA235E5F42}"/>
               </a:ext>
             </a:extLst>
           </p:cNvPr>
@@ -1792,7 +1792,7 @@
           <p:cNvPr id="7" name="日期占位符 6">
             <a:extLst>
               <a:ext uri="{FF2B5EF4-FFF2-40B4-BE49-F238E27FC236}">
-                <a16:creationId xmlns:a16="http://schemas.microsoft.com/office/drawing/2014/main" id="{C9382190-BA66-0347-0C85-D9FDE77A095B}"/>
+                <a16:creationId xmlns:a16="http://schemas.microsoft.com/office/drawing/2014/main" id="{B7549F3B-AB18-3D79-C756-66FAC28DEB65}"/>
               </a:ext>
             </a:extLst>
           </p:cNvPr>
@@ -1808,7 +1808,7 @@
           <a:bodyPr/>
           <a:lstStyle/>
           <a:p>
-            <a:fld id="{E8B70C69-EFAF-46C1-B072-47951ACABE34}" type="datetimeFigureOut">
+            <a:fld id="{C843FD81-6944-4E13-8EBE-D72FD1D16EF4}" type="datetimeFigureOut">
               <a:rPr lang="zh-CN" altLang="en-US" smtClean="0"/>
               <a:t>2024/3/10</a:t>
             </a:fld>
@@ -1821,7 +1821,7 @@
           <p:cNvPr id="8" name="页脚占位符 7">
             <a:extLst>
               <a:ext uri="{FF2B5EF4-FFF2-40B4-BE49-F238E27FC236}">
-                <a16:creationId xmlns:a16="http://schemas.microsoft.com/office/drawing/2014/main" id="{78986F3E-8817-1194-6B00-79448BE15689}"/>
+                <a16:creationId xmlns:a16="http://schemas.microsoft.com/office/drawing/2014/main" id="{FCAB9EC0-5693-B2D6-4AB0-2866639C8791}"/>
               </a:ext>
             </a:extLst>
           </p:cNvPr>
@@ -1846,7 +1846,7 @@
           <p:cNvPr id="9" name="灯片编号占位符 8">
             <a:extLst>
               <a:ext uri="{FF2B5EF4-FFF2-40B4-BE49-F238E27FC236}">
-                <a16:creationId xmlns:a16="http://schemas.microsoft.com/office/drawing/2014/main" id="{35C00FC3-9AC7-D892-0DBB-633EDDDA0A59}"/>
+                <a16:creationId xmlns:a16="http://schemas.microsoft.com/office/drawing/2014/main" id="{8F9F18E4-172C-934D-2D3B-0F26A2FEB234}"/>
               </a:ext>
             </a:extLst>
           </p:cNvPr>
@@ -1862,7 +1862,7 @@
           <a:bodyPr/>
           <a:lstStyle/>
           <a:p>
-            <a:fld id="{47133C7F-5519-488E-A7A3-2640DF0EC85E}" type="slidenum">
+            <a:fld id="{14FC0471-6655-4220-A66B-4A494ABC80F0}" type="slidenum">
               <a:rPr lang="zh-CN" altLang="en-US" smtClean="0"/>
               <a:t>‹#›</a:t>
             </a:fld>
@@ -1873,7 +1873,7 @@
     </p:spTree>
     <p:extLst>
       <p:ext uri="{BB962C8B-B14F-4D97-AF65-F5344CB8AC3E}">
-        <p14:creationId xmlns:p14="http://schemas.microsoft.com/office/powerpoint/2010/main" val="2378267777"/>
+        <p14:creationId xmlns:p14="http://schemas.microsoft.com/office/powerpoint/2010/main" val="3382821262"/>
       </p:ext>
     </p:extLst>
   </p:cSld>
@@ -1905,7 +1905,7 @@
           <p:cNvPr id="2" name="标题 1">
             <a:extLst>
               <a:ext uri="{FF2B5EF4-FFF2-40B4-BE49-F238E27FC236}">
-                <a16:creationId xmlns:a16="http://schemas.microsoft.com/office/drawing/2014/main" id="{CF69640E-BEC6-2543-BE37-885406F57ADB}"/>
+                <a16:creationId xmlns:a16="http://schemas.microsoft.com/office/drawing/2014/main" id="{AE4B0C4A-D5D4-08BA-A301-944249CE1144}"/>
               </a:ext>
             </a:extLst>
           </p:cNvPr>
@@ -1933,7 +1933,7 @@
           <p:cNvPr id="3" name="日期占位符 2">
             <a:extLst>
               <a:ext uri="{FF2B5EF4-FFF2-40B4-BE49-F238E27FC236}">
-                <a16:creationId xmlns:a16="http://schemas.microsoft.com/office/drawing/2014/main" id="{98949CFE-9C71-AD13-83A8-07D64B2EBE60}"/>
+                <a16:creationId xmlns:a16="http://schemas.microsoft.com/office/drawing/2014/main" id="{E76833DD-9A4D-349A-0041-CAF2FC0096EA}"/>
               </a:ext>
             </a:extLst>
           </p:cNvPr>
@@ -1949,7 +1949,7 @@
           <a:bodyPr/>
           <a:lstStyle/>
           <a:p>
-            <a:fld id="{E8B70C69-EFAF-46C1-B072-47951ACABE34}" type="datetimeFigureOut">
+            <a:fld id="{C843FD81-6944-4E13-8EBE-D72FD1D16EF4}" type="datetimeFigureOut">
               <a:rPr lang="zh-CN" altLang="en-US" smtClean="0"/>
               <a:t>2024/3/10</a:t>
             </a:fld>
@@ -1962,7 +1962,7 @@
           <p:cNvPr id="4" name="页脚占位符 3">
             <a:extLst>
               <a:ext uri="{FF2B5EF4-FFF2-40B4-BE49-F238E27FC236}">
-                <a16:creationId xmlns:a16="http://schemas.microsoft.com/office/drawing/2014/main" id="{2313FAF2-A800-A385-BD68-70FC55F3D9AE}"/>
+                <a16:creationId xmlns:a16="http://schemas.microsoft.com/office/drawing/2014/main" id="{94F22807-3A60-E94F-B3D1-02F7D2A4EF38}"/>
               </a:ext>
             </a:extLst>
           </p:cNvPr>
@@ -1987,7 +1987,7 @@
           <p:cNvPr id="5" name="灯片编号占位符 4">
             <a:extLst>
               <a:ext uri="{FF2B5EF4-FFF2-40B4-BE49-F238E27FC236}">
-                <a16:creationId xmlns:a16="http://schemas.microsoft.com/office/drawing/2014/main" id="{BBF212AE-C169-A1D4-D717-D78F4E6560EB}"/>
+                <a16:creationId xmlns:a16="http://schemas.microsoft.com/office/drawing/2014/main" id="{5C841CB7-51EA-0331-49F6-F4FC5EAD361E}"/>
               </a:ext>
             </a:extLst>
           </p:cNvPr>
@@ -2003,7 +2003,7 @@
           <a:bodyPr/>
           <a:lstStyle/>
           <a:p>
-            <a:fld id="{47133C7F-5519-488E-A7A3-2640DF0EC85E}" type="slidenum">
+            <a:fld id="{14FC0471-6655-4220-A66B-4A494ABC80F0}" type="slidenum">
               <a:rPr lang="zh-CN" altLang="en-US" smtClean="0"/>
               <a:t>‹#›</a:t>
             </a:fld>
@@ -2014,7 +2014,7 @@
     </p:spTree>
     <p:extLst>
       <p:ext uri="{BB962C8B-B14F-4D97-AF65-F5344CB8AC3E}">
-        <p14:creationId xmlns:p14="http://schemas.microsoft.com/office/powerpoint/2010/main" val="63433319"/>
+        <p14:creationId xmlns:p14="http://schemas.microsoft.com/office/powerpoint/2010/main" val="301742932"/>
       </p:ext>
     </p:extLst>
   </p:cSld>
@@ -2046,7 +2046,7 @@
           <p:cNvPr id="2" name="日期占位符 1">
             <a:extLst>
               <a:ext uri="{FF2B5EF4-FFF2-40B4-BE49-F238E27FC236}">
-                <a16:creationId xmlns:a16="http://schemas.microsoft.com/office/drawing/2014/main" id="{219E31EB-229E-81E1-31D7-88D66251916E}"/>
+                <a16:creationId xmlns:a16="http://schemas.microsoft.com/office/drawing/2014/main" id="{22A78DA3-057C-8556-D1E0-44CD3023489A}"/>
               </a:ext>
             </a:extLst>
           </p:cNvPr>
@@ -2062,7 +2062,7 @@
           <a:bodyPr/>
           <a:lstStyle/>
           <a:p>
-            <a:fld id="{E8B70C69-EFAF-46C1-B072-47951ACABE34}" type="datetimeFigureOut">
+            <a:fld id="{C843FD81-6944-4E13-8EBE-D72FD1D16EF4}" type="datetimeFigureOut">
               <a:rPr lang="zh-CN" altLang="en-US" smtClean="0"/>
               <a:t>2024/3/10</a:t>
             </a:fld>
@@ -2075,7 +2075,7 @@
           <p:cNvPr id="3" name="页脚占位符 2">
             <a:extLst>
               <a:ext uri="{FF2B5EF4-FFF2-40B4-BE49-F238E27FC236}">
-                <a16:creationId xmlns:a16="http://schemas.microsoft.com/office/drawing/2014/main" id="{C3AF2F33-7CA0-BDBD-B4FD-016ADB5681B5}"/>
+                <a16:creationId xmlns:a16="http://schemas.microsoft.com/office/drawing/2014/main" id="{2BA77DC8-F0C1-9799-9CE5-272B1E4DF8D1}"/>
               </a:ext>
             </a:extLst>
           </p:cNvPr>
@@ -2100,7 +2100,7 @@
           <p:cNvPr id="4" name="灯片编号占位符 3">
             <a:extLst>
               <a:ext uri="{FF2B5EF4-FFF2-40B4-BE49-F238E27FC236}">
-                <a16:creationId xmlns:a16="http://schemas.microsoft.com/office/drawing/2014/main" id="{E5E803AB-A774-7F89-1712-37AF7E9A3130}"/>
+                <a16:creationId xmlns:a16="http://schemas.microsoft.com/office/drawing/2014/main" id="{AEC7D434-C258-E4F5-122D-7E97B20D518C}"/>
               </a:ext>
             </a:extLst>
           </p:cNvPr>
@@ -2116,7 +2116,7 @@
           <a:bodyPr/>
           <a:lstStyle/>
           <a:p>
-            <a:fld id="{47133C7F-5519-488E-A7A3-2640DF0EC85E}" type="slidenum">
+            <a:fld id="{14FC0471-6655-4220-A66B-4A494ABC80F0}" type="slidenum">
               <a:rPr lang="zh-CN" altLang="en-US" smtClean="0"/>
               <a:t>‹#›</a:t>
             </a:fld>
@@ -2127,7 +2127,7 @@
     </p:spTree>
     <p:extLst>
       <p:ext uri="{BB962C8B-B14F-4D97-AF65-F5344CB8AC3E}">
-        <p14:creationId xmlns:p14="http://schemas.microsoft.com/office/powerpoint/2010/main" val="2498769206"/>
+        <p14:creationId xmlns:p14="http://schemas.microsoft.com/office/powerpoint/2010/main" val="2037119724"/>
       </p:ext>
     </p:extLst>
   </p:cSld>
@@ -2159,7 +2159,7 @@
           <p:cNvPr id="2" name="标题 1">
             <a:extLst>
               <a:ext uri="{FF2B5EF4-FFF2-40B4-BE49-F238E27FC236}">
-                <a16:creationId xmlns:a16="http://schemas.microsoft.com/office/drawing/2014/main" id="{AB61A162-4574-C4A4-183B-BEC783468119}"/>
+                <a16:creationId xmlns:a16="http://schemas.microsoft.com/office/drawing/2014/main" id="{8244FA62-4A07-C4D3-6453-A13A8FB17807}"/>
               </a:ext>
             </a:extLst>
           </p:cNvPr>
@@ -2196,7 +2196,7 @@
           <p:cNvPr id="3" name="内容占位符 2">
             <a:extLst>
               <a:ext uri="{FF2B5EF4-FFF2-40B4-BE49-F238E27FC236}">
-                <a16:creationId xmlns:a16="http://schemas.microsoft.com/office/drawing/2014/main" id="{274B82DF-3298-C314-E5F9-6B150FDD5305}"/>
+                <a16:creationId xmlns:a16="http://schemas.microsoft.com/office/drawing/2014/main" id="{F03E2887-8B9A-CB08-B632-532CA0E7867B}"/>
               </a:ext>
             </a:extLst>
           </p:cNvPr>
@@ -2286,7 +2286,7 @@
           <p:cNvPr id="4" name="文本占位符 3">
             <a:extLst>
               <a:ext uri="{FF2B5EF4-FFF2-40B4-BE49-F238E27FC236}">
-                <a16:creationId xmlns:a16="http://schemas.microsoft.com/office/drawing/2014/main" id="{4DEFF59D-EF53-7855-BA48-A3DFEA46D1AC}"/>
+                <a16:creationId xmlns:a16="http://schemas.microsoft.com/office/drawing/2014/main" id="{6A690299-E827-0C72-6F26-4ADA8B068E98}"/>
               </a:ext>
             </a:extLst>
           </p:cNvPr>
@@ -2357,7 +2357,7 @@
           <p:cNvPr id="5" name="日期占位符 4">
             <a:extLst>
               <a:ext uri="{FF2B5EF4-FFF2-40B4-BE49-F238E27FC236}">
-                <a16:creationId xmlns:a16="http://schemas.microsoft.com/office/drawing/2014/main" id="{49A5D0C9-9D93-E1FC-8CA3-118538073FDF}"/>
+                <a16:creationId xmlns:a16="http://schemas.microsoft.com/office/drawing/2014/main" id="{93B29340-00F9-9E91-C79B-AA57FB76B8CC}"/>
               </a:ext>
             </a:extLst>
           </p:cNvPr>
@@ -2373,7 +2373,7 @@
           <a:bodyPr/>
           <a:lstStyle/>
           <a:p>
-            <a:fld id="{E8B70C69-EFAF-46C1-B072-47951ACABE34}" type="datetimeFigureOut">
+            <a:fld id="{C843FD81-6944-4E13-8EBE-D72FD1D16EF4}" type="datetimeFigureOut">
               <a:rPr lang="zh-CN" altLang="en-US" smtClean="0"/>
               <a:t>2024/3/10</a:t>
             </a:fld>
@@ -2386,7 +2386,7 @@
           <p:cNvPr id="6" name="页脚占位符 5">
             <a:extLst>
               <a:ext uri="{FF2B5EF4-FFF2-40B4-BE49-F238E27FC236}">
-                <a16:creationId xmlns:a16="http://schemas.microsoft.com/office/drawing/2014/main" id="{2C39ACAF-F692-A749-64BC-54E5C5F485BC}"/>
+                <a16:creationId xmlns:a16="http://schemas.microsoft.com/office/drawing/2014/main" id="{D9D1200C-A5CA-E8BF-E46D-3A2899BE8D64}"/>
               </a:ext>
             </a:extLst>
           </p:cNvPr>
@@ -2411,7 +2411,7 @@
           <p:cNvPr id="7" name="灯片编号占位符 6">
             <a:extLst>
               <a:ext uri="{FF2B5EF4-FFF2-40B4-BE49-F238E27FC236}">
-                <a16:creationId xmlns:a16="http://schemas.microsoft.com/office/drawing/2014/main" id="{33ACD0EF-D52B-73D7-4A9B-F31C56D9E438}"/>
+                <a16:creationId xmlns:a16="http://schemas.microsoft.com/office/drawing/2014/main" id="{ECCB60C0-E825-6C1B-114F-F37553E9BC4F}"/>
               </a:ext>
             </a:extLst>
           </p:cNvPr>
@@ -2427,7 +2427,7 @@
           <a:bodyPr/>
           <a:lstStyle/>
           <a:p>
-            <a:fld id="{47133C7F-5519-488E-A7A3-2640DF0EC85E}" type="slidenum">
+            <a:fld id="{14FC0471-6655-4220-A66B-4A494ABC80F0}" type="slidenum">
               <a:rPr lang="zh-CN" altLang="en-US" smtClean="0"/>
               <a:t>‹#›</a:t>
             </a:fld>
@@ -2438,7 +2438,7 @@
     </p:spTree>
     <p:extLst>
       <p:ext uri="{BB962C8B-B14F-4D97-AF65-F5344CB8AC3E}">
-        <p14:creationId xmlns:p14="http://schemas.microsoft.com/office/powerpoint/2010/main" val="320198988"/>
+        <p14:creationId xmlns:p14="http://schemas.microsoft.com/office/powerpoint/2010/main" val="2485531033"/>
       </p:ext>
     </p:extLst>
   </p:cSld>
@@ -2470,7 +2470,7 @@
           <p:cNvPr id="2" name="标题 1">
             <a:extLst>
               <a:ext uri="{FF2B5EF4-FFF2-40B4-BE49-F238E27FC236}">
-                <a16:creationId xmlns:a16="http://schemas.microsoft.com/office/drawing/2014/main" id="{48C5D4D8-990B-5ECC-7A87-C849211E2326}"/>
+                <a16:creationId xmlns:a16="http://schemas.microsoft.com/office/drawing/2014/main" id="{9C57D422-5028-8659-9887-47EA7550B907}"/>
               </a:ext>
             </a:extLst>
           </p:cNvPr>
@@ -2507,7 +2507,7 @@
           <p:cNvPr id="3" name="图片占位符 2">
             <a:extLst>
               <a:ext uri="{FF2B5EF4-FFF2-40B4-BE49-F238E27FC236}">
-                <a16:creationId xmlns:a16="http://schemas.microsoft.com/office/drawing/2014/main" id="{5195396A-5FC4-B87F-6C4B-8CCC3D932625}"/>
+                <a16:creationId xmlns:a16="http://schemas.microsoft.com/office/drawing/2014/main" id="{249FAAC8-B829-FDA0-4318-E43E99680492}"/>
               </a:ext>
             </a:extLst>
           </p:cNvPr>
@@ -2574,7 +2574,7 @@
           <p:cNvPr id="4" name="文本占位符 3">
             <a:extLst>
               <a:ext uri="{FF2B5EF4-FFF2-40B4-BE49-F238E27FC236}">
-                <a16:creationId xmlns:a16="http://schemas.microsoft.com/office/drawing/2014/main" id="{7BA2D023-86F5-0D38-4B78-1FC7F3A2C174}"/>
+                <a16:creationId xmlns:a16="http://schemas.microsoft.com/office/drawing/2014/main" id="{679FDC9E-0036-12CD-A583-2FB3122D0CB4}"/>
               </a:ext>
             </a:extLst>
           </p:cNvPr>
@@ -2645,7 +2645,7 @@
           <p:cNvPr id="5" name="日期占位符 4">
             <a:extLst>
               <a:ext uri="{FF2B5EF4-FFF2-40B4-BE49-F238E27FC236}">
-                <a16:creationId xmlns:a16="http://schemas.microsoft.com/office/drawing/2014/main" id="{59FD080D-9096-D128-A769-934F6B4597BC}"/>
+                <a16:creationId xmlns:a16="http://schemas.microsoft.com/office/drawing/2014/main" id="{397F3462-8206-25BD-C44D-39012B1B96CD}"/>
               </a:ext>
             </a:extLst>
           </p:cNvPr>
@@ -2661,7 +2661,7 @@
           <a:bodyPr/>
           <a:lstStyle/>
           <a:p>
-            <a:fld id="{E8B70C69-EFAF-46C1-B072-47951ACABE34}" type="datetimeFigureOut">
+            <a:fld id="{C843FD81-6944-4E13-8EBE-D72FD1D16EF4}" type="datetimeFigureOut">
               <a:rPr lang="zh-CN" altLang="en-US" smtClean="0"/>
               <a:t>2024/3/10</a:t>
             </a:fld>
@@ -2674,7 +2674,7 @@
           <p:cNvPr id="6" name="页脚占位符 5">
             <a:extLst>
               <a:ext uri="{FF2B5EF4-FFF2-40B4-BE49-F238E27FC236}">
-                <a16:creationId xmlns:a16="http://schemas.microsoft.com/office/drawing/2014/main" id="{46C125C3-4EC1-5784-1DEC-226644DAFDE1}"/>
+                <a16:creationId xmlns:a16="http://schemas.microsoft.com/office/drawing/2014/main" id="{C06569C4-9A76-A15A-2A1C-13339867805C}"/>
               </a:ext>
             </a:extLst>
           </p:cNvPr>
@@ -2699,7 +2699,7 @@
           <p:cNvPr id="7" name="灯片编号占位符 6">
             <a:extLst>
               <a:ext uri="{FF2B5EF4-FFF2-40B4-BE49-F238E27FC236}">
-                <a16:creationId xmlns:a16="http://schemas.microsoft.com/office/drawing/2014/main" id="{D6DC1140-4721-4F38-6DC8-42999DBB398E}"/>
+                <a16:creationId xmlns:a16="http://schemas.microsoft.com/office/drawing/2014/main" id="{1DCF3E4C-D39D-434E-3FF5-1159A52E0381}"/>
               </a:ext>
             </a:extLst>
           </p:cNvPr>
@@ -2715,7 +2715,7 @@
           <a:bodyPr/>
           <a:lstStyle/>
           <a:p>
-            <a:fld id="{47133C7F-5519-488E-A7A3-2640DF0EC85E}" type="slidenum">
+            <a:fld id="{14FC0471-6655-4220-A66B-4A494ABC80F0}" type="slidenum">
               <a:rPr lang="zh-CN" altLang="en-US" smtClean="0"/>
               <a:t>‹#›</a:t>
             </a:fld>
@@ -2726,7 +2726,7 @@
     </p:spTree>
     <p:extLst>
       <p:ext uri="{BB962C8B-B14F-4D97-AF65-F5344CB8AC3E}">
-        <p14:creationId xmlns:p14="http://schemas.microsoft.com/office/powerpoint/2010/main" val="1521013279"/>
+        <p14:creationId xmlns:p14="http://schemas.microsoft.com/office/powerpoint/2010/main" val="2007525752"/>
       </p:ext>
     </p:extLst>
   </p:cSld>
@@ -2763,7 +2763,7 @@
           <p:cNvPr id="2" name="标题占位符 1">
             <a:extLst>
               <a:ext uri="{FF2B5EF4-FFF2-40B4-BE49-F238E27FC236}">
-                <a16:creationId xmlns:a16="http://schemas.microsoft.com/office/drawing/2014/main" id="{2C0E1729-5A7A-802E-DC7C-8BF6143EBCE3}"/>
+                <a16:creationId xmlns:a16="http://schemas.microsoft.com/office/drawing/2014/main" id="{1B097A6E-92A9-2EA4-4406-8E5B50B735F2}"/>
               </a:ext>
             </a:extLst>
           </p:cNvPr>
@@ -2801,7 +2801,7 @@
           <p:cNvPr id="3" name="文本占位符 2">
             <a:extLst>
               <a:ext uri="{FF2B5EF4-FFF2-40B4-BE49-F238E27FC236}">
-                <a16:creationId xmlns:a16="http://schemas.microsoft.com/office/drawing/2014/main" id="{F63908D2-BCA3-D9B8-B7AB-C2301882E2D9}"/>
+                <a16:creationId xmlns:a16="http://schemas.microsoft.com/office/drawing/2014/main" id="{33782945-3FEB-7B68-B546-A9D3299C4379}"/>
               </a:ext>
             </a:extLst>
           </p:cNvPr>
@@ -2868,7 +2868,7 @@
           <p:cNvPr id="4" name="日期占位符 3">
             <a:extLst>
               <a:ext uri="{FF2B5EF4-FFF2-40B4-BE49-F238E27FC236}">
-                <a16:creationId xmlns:a16="http://schemas.microsoft.com/office/drawing/2014/main" id="{4D27C69B-E78B-6D4B-23EF-C51C7C3A8D41}"/>
+                <a16:creationId xmlns:a16="http://schemas.microsoft.com/office/drawing/2014/main" id="{E9642E77-E76E-4F1E-BFB1-F2F6401707AB}"/>
               </a:ext>
             </a:extLst>
           </p:cNvPr>
@@ -2902,7 +2902,7 @@
             </a:lvl1pPr>
           </a:lstStyle>
           <a:p>
-            <a:fld id="{E8B70C69-EFAF-46C1-B072-47951ACABE34}" type="datetimeFigureOut">
+            <a:fld id="{C843FD81-6944-4E13-8EBE-D72FD1D16EF4}" type="datetimeFigureOut">
               <a:rPr lang="zh-CN" altLang="en-US" smtClean="0"/>
               <a:t>2024/3/10</a:t>
             </a:fld>
@@ -2915,7 +2915,7 @@
           <p:cNvPr id="5" name="页脚占位符 4">
             <a:extLst>
               <a:ext uri="{FF2B5EF4-FFF2-40B4-BE49-F238E27FC236}">
-                <a16:creationId xmlns:a16="http://schemas.microsoft.com/office/drawing/2014/main" id="{611A5B72-45F7-CBB6-D415-2F85A5685840}"/>
+                <a16:creationId xmlns:a16="http://schemas.microsoft.com/office/drawing/2014/main" id="{ECDF874B-45D4-11A2-9DE8-64684BB6D695}"/>
               </a:ext>
             </a:extLst>
           </p:cNvPr>
@@ -2958,7 +2958,7 @@
           <p:cNvPr id="6" name="灯片编号占位符 5">
             <a:extLst>
               <a:ext uri="{FF2B5EF4-FFF2-40B4-BE49-F238E27FC236}">
-                <a16:creationId xmlns:a16="http://schemas.microsoft.com/office/drawing/2014/main" id="{B39D528B-5DD0-6193-72D0-350C69BFD6D4}"/>
+                <a16:creationId xmlns:a16="http://schemas.microsoft.com/office/drawing/2014/main" id="{AB342FD2-4890-07FD-2E1D-E285DA4E2E49}"/>
               </a:ext>
             </a:extLst>
           </p:cNvPr>
@@ -2992,7 +2992,7 @@
             </a:lvl1pPr>
           </a:lstStyle>
           <a:p>
-            <a:fld id="{47133C7F-5519-488E-A7A3-2640DF0EC85E}" type="slidenum">
+            <a:fld id="{14FC0471-6655-4220-A66B-4A494ABC80F0}" type="slidenum">
               <a:rPr lang="zh-CN" altLang="en-US" smtClean="0"/>
               <a:t>‹#›</a:t>
             </a:fld>
@@ -3003,7 +3003,7 @@
     </p:spTree>
     <p:extLst>
       <p:ext uri="{BB962C8B-B14F-4D97-AF65-F5344CB8AC3E}">
-        <p14:creationId xmlns:p14="http://schemas.microsoft.com/office/powerpoint/2010/main" val="4009730651"/>
+        <p14:creationId xmlns:p14="http://schemas.microsoft.com/office/powerpoint/2010/main" val="3771251005"/>
       </p:ext>
     </p:extLst>
   </p:cSld>
